--- a/2021-04-12to04-16 (A5) C53517 SoftMARS/30_16v01_MarsBaseAlpha_FinalFindings.pptx
+++ b/2021-04-12to04-16 (A5) C53517 SoftMARS/30_16v01_MarsBaseAlpha_FinalFindings.pptx
@@ -297,7 +297,7 @@
           <a:p>
             <a:fld id="{F319E496-E8FF-4856-B08F-DBE14D18B236}" type="datetimeFigureOut">
               <a:rPr lang="en-US" smtClean="0"/>
-              <a:t>4/16/2022</a:t>
+              <a:t>5/12/2022</a:t>
             </a:fld>
             <a:endParaRPr lang="en-US" dirty="0"/>
           </a:p>
@@ -474,7 +474,7 @@
           <a:p>
             <a:fld id="{4572F63B-EF0F-9942-98B2-F67CC88AF236}" type="datetimeFigureOut">
               <a:rPr lang="en-US" smtClean="0"/>
-              <a:t>4/16/2022</a:t>
+              <a:t>5/12/2022</a:t>
             </a:fld>
             <a:endParaRPr lang="en-US" dirty="0"/>
           </a:p>
@@ -2065,7 +2065,7 @@
               </a14:hiddenLine>
             </a:ext>
             <a:ext uri="{FAA26D3D-D897-4be2-8F04-BA451C77F1D7}">
-              <ma14:placeholderFlag xmlns:ma14="http://schemas.microsoft.com/office/mac/drawingml/2011/main" xmlns="" val="1"/>
+              <ma14:placeholderFlag xmlns="" xmlns:ma14="http://schemas.microsoft.com/office/mac/drawingml/2011/main" val="1"/>
             </a:ext>
           </a:extLst>
         </p:spPr>
@@ -2319,7 +2319,7 @@
               </a14:hiddenLine>
             </a:ext>
             <a:ext uri="{FAA26D3D-D897-4be2-8F04-BA451C77F1D7}">
-              <ma14:placeholderFlag xmlns:ma14="http://schemas.microsoft.com/office/mac/drawingml/2011/main" xmlns="" val="1"/>
+              <ma14:placeholderFlag xmlns="" xmlns:ma14="http://schemas.microsoft.com/office/mac/drawingml/2011/main" val="1"/>
             </a:ext>
           </a:extLst>
         </p:spPr>
@@ -2573,7 +2573,7 @@
               </a14:hiddenLine>
             </a:ext>
             <a:ext uri="{FAA26D3D-D897-4be2-8F04-BA451C77F1D7}">
-              <ma14:placeholderFlag xmlns:ma14="http://schemas.microsoft.com/office/mac/drawingml/2011/main" xmlns="" val="1"/>
+              <ma14:placeholderFlag xmlns="" xmlns:ma14="http://schemas.microsoft.com/office/mac/drawingml/2011/main" val="1"/>
             </a:ext>
           </a:extLst>
         </p:spPr>
@@ -3102,7 +3102,7 @@
               </a14:hiddenLine>
             </a:ext>
             <a:ext uri="{FAA26D3D-D897-4be2-8F04-BA451C77F1D7}">
-              <ma14:placeholderFlag xmlns:ma14="http://schemas.microsoft.com/office/mac/drawingml/2011/main" xmlns="" val="1"/>
+              <ma14:placeholderFlag xmlns="" xmlns:ma14="http://schemas.microsoft.com/office/mac/drawingml/2011/main" val="1"/>
             </a:ext>
           </a:extLst>
         </p:spPr>
@@ -5999,14 +5999,14 @@
           </a:ln>
           <a:extLst>
             <a:ext uri="{909E8E84-426E-40dd-AFC4-6F175D3DCCD1}">
-              <a14:hiddenFill xmlns="" xmlns:a14="http://schemas.microsoft.com/office/drawing/2010/main">
+              <a14:hiddenFill xmlns:a14="http://schemas.microsoft.com/office/drawing/2010/main" xmlns="">
                 <a:solidFill>
                   <a:schemeClr val="accent1"/>
                 </a:solidFill>
               </a14:hiddenFill>
             </a:ext>
             <a:ext uri="{91240B29-F687-4f45-9708-019B960494DF}">
-              <a14:hiddenLine xmlns="" xmlns:a14="http://schemas.microsoft.com/office/drawing/2010/main" w="9525">
+              <a14:hiddenLine xmlns:a14="http://schemas.microsoft.com/office/drawing/2010/main" xmlns="" w="9525">
                 <a:solidFill>
                   <a:schemeClr val="tx1"/>
                 </a:solidFill>
@@ -6435,7 +6435,7 @@
           <p:nvPr>
             <p:extLst>
               <p:ext uri="{D42A27DB-BD31-4B8C-83A1-F6EECF244321}">
-                <p14:modId xmlns:p14="http://schemas.microsoft.com/office/powerpoint/2010/main" val="1422576859"/>
+                <p14:modId xmlns:p14="http://schemas.microsoft.com/office/powerpoint/2010/main" val="1587144076"/>
               </p:ext>
             </p:extLst>
           </p:nvPr>
@@ -6448,7 +6448,7 @@
           <a:graphicData uri="http://schemas.openxmlformats.org/presentationml/2006/ole">
             <mc:AlternateContent xmlns:mc="http://schemas.openxmlformats.org/markup-compatibility/2006">
               <mc:Choice xmlns:v="urn:schemas-microsoft-com:vml" Requires="v">
-                <p:oleObj spid="_x0000_s1056" name="Macro-Enabled Worksheet" r:id="rId3" imgW="5196769" imgH="3116588" progId="Excel.SheetMacroEnabled.12">
+                <p:oleObj spid="_x0000_s1059" name="Macro-Enabled Worksheet" r:id="rId3" imgW="5196769" imgH="3116588" progId="Excel.SheetMacroEnabled.12">
                   <p:link updateAutomatic="1"/>
                 </p:oleObj>
               </mc:Choice>
@@ -6552,7 +6552,7 @@
           <p:nvPr>
             <p:extLst>
               <p:ext uri="{D42A27DB-BD31-4B8C-83A1-F6EECF244321}">
-                <p14:modId xmlns:p14="http://schemas.microsoft.com/office/powerpoint/2010/main" val="2011892888"/>
+                <p14:modId xmlns:p14="http://schemas.microsoft.com/office/powerpoint/2010/main" val="1286220956"/>
               </p:ext>
             </p:extLst>
           </p:nvPr>
@@ -6565,7 +6565,7 @@
           <a:graphicData uri="http://schemas.openxmlformats.org/presentationml/2006/ole">
             <mc:AlternateContent xmlns:mc="http://schemas.openxmlformats.org/markup-compatibility/2006">
               <mc:Choice xmlns:v="urn:schemas-microsoft-com:vml" Requires="v">
-                <p:oleObj spid="_x0000_s1057" name="Macro-Enabled Worksheet" r:id="rId5" imgW="5196769" imgH="670734" progId="Excel.SheetMacroEnabled.12">
+                <p:oleObj spid="_x0000_s1060" name="Macro-Enabled Worksheet" r:id="rId5" imgW="5196769" imgH="670734" progId="Excel.SheetMacroEnabled.12">
                   <p:link updateAutomatic="1"/>
                 </p:oleObj>
               </mc:Choice>
@@ -6615,7 +6615,7 @@
           <p:nvPr>
             <p:extLst>
               <p:ext uri="{D42A27DB-BD31-4B8C-83A1-F6EECF244321}">
-                <p14:modId xmlns:p14="http://schemas.microsoft.com/office/powerpoint/2010/main" val="101402209"/>
+                <p14:modId xmlns:p14="http://schemas.microsoft.com/office/powerpoint/2010/main" val="1167364208"/>
               </p:ext>
             </p:extLst>
           </p:nvPr>
@@ -6628,7 +6628,7 @@
           <a:graphicData uri="http://schemas.openxmlformats.org/presentationml/2006/ole">
             <mc:AlternateContent xmlns:mc="http://schemas.openxmlformats.org/markup-compatibility/2006">
               <mc:Choice xmlns:v="urn:schemas-microsoft-com:vml" Requires="v">
-                <p:oleObj spid="_x0000_s1058" name="Macro-Enabled Worksheet" r:id="rId7" imgW="5196769" imgH="274178" progId="Excel.SheetMacroEnabled.12">
+                <p:oleObj spid="_x0000_s1061" name="Macro-Enabled Worksheet" r:id="rId7" imgW="5196769" imgH="274178" progId="Excel.SheetMacroEnabled.12">
                   <p:link updateAutomatic="1"/>
                 </p:oleObj>
               </mc:Choice>
@@ -7321,7 +7321,7 @@
           <p:nvPr>
             <p:extLst>
               <p:ext uri="{D42A27DB-BD31-4B8C-83A1-F6EECF244321}">
-                <p14:modId xmlns:p14="http://schemas.microsoft.com/office/powerpoint/2010/main" val="101811283"/>
+                <p14:modId xmlns:p14="http://schemas.microsoft.com/office/powerpoint/2010/main" val="2759060771"/>
               </p:ext>
             </p:extLst>
           </p:nvPr>
@@ -7334,7 +7334,7 @@
           <a:graphicData uri="http://schemas.openxmlformats.org/presentationml/2006/ole">
             <mc:AlternateContent xmlns:mc="http://schemas.openxmlformats.org/markup-compatibility/2006">
               <mc:Choice xmlns:v="urn:schemas-microsoft-com:vml" Requires="v">
-                <p:oleObj spid="_x0000_s5132" name="Macro-Enabled Worksheet" r:id="rId4" imgW="8244911" imgH="2110701" progId="Excel.SheetMacroEnabled.12">
+                <p:oleObj spid="_x0000_s5133" name="Macro-Enabled Worksheet" r:id="rId4" imgW="8244911" imgH="2110701" progId="Excel.SheetMacroEnabled.12">
                   <p:link updateAutomatic="1"/>
                 </p:oleObj>
               </mc:Choice>
@@ -7445,7 +7445,7 @@
           <p:nvPr>
             <p:extLst>
               <p:ext uri="{D42A27DB-BD31-4B8C-83A1-F6EECF244321}">
-                <p14:modId xmlns:p14="http://schemas.microsoft.com/office/powerpoint/2010/main" val="4093041320"/>
+                <p14:modId xmlns:p14="http://schemas.microsoft.com/office/powerpoint/2010/main" val="3237978812"/>
               </p:ext>
             </p:extLst>
           </p:nvPr>
@@ -7458,7 +7458,7 @@
           <a:graphicData uri="http://schemas.openxmlformats.org/presentationml/2006/ole">
             <mc:AlternateContent xmlns:mc="http://schemas.openxmlformats.org/markup-compatibility/2006">
               <mc:Choice xmlns:v="urn:schemas-microsoft-com:vml" Requires="v">
-                <p:oleObj spid="_x0000_s6156" name="Macro-Enabled Worksheet" r:id="rId4" imgW="9928683" imgH="5722770" progId="Excel.SheetMacroEnabled.12">
+                <p:oleObj spid="_x0000_s6157" name="Macro-Enabled Worksheet" r:id="rId4" imgW="9928683" imgH="5722770" progId="Excel.SheetMacroEnabled.12">
                   <p:link updateAutomatic="1"/>
                 </p:oleObj>
               </mc:Choice>
@@ -7564,7 +7564,7 @@
           <p:nvPr>
             <p:extLst>
               <p:ext uri="{D42A27DB-BD31-4B8C-83A1-F6EECF244321}">
-                <p14:modId xmlns:p14="http://schemas.microsoft.com/office/powerpoint/2010/main" val="3354313444"/>
+                <p14:modId xmlns:p14="http://schemas.microsoft.com/office/powerpoint/2010/main" val="1602546015"/>
               </p:ext>
             </p:extLst>
           </p:nvPr>
@@ -7577,7 +7577,7 @@
           <a:graphicData uri="http://schemas.openxmlformats.org/presentationml/2006/ole">
             <mc:AlternateContent xmlns:mc="http://schemas.openxmlformats.org/markup-compatibility/2006">
               <mc:Choice xmlns:v="urn:schemas-microsoft-com:vml" Requires="v">
-                <p:oleObj spid="_x0000_s7180" name="Macro-Enabled Worksheet" r:id="rId4" imgW="7437262" imgH="1196490" progId="Excel.SheetMacroEnabled.12">
+                <p:oleObj spid="_x0000_s7181" name="Macro-Enabled Worksheet" r:id="rId4" imgW="7437262" imgH="1196490" progId="Excel.SheetMacroEnabled.12">
                   <p:link updateAutomatic="1"/>
                 </p:oleObj>
               </mc:Choice>
@@ -7657,7 +7657,7 @@
           <p:nvPr>
             <p:extLst>
               <p:ext uri="{D42A27DB-BD31-4B8C-83A1-F6EECF244321}">
-                <p14:modId xmlns:p14="http://schemas.microsoft.com/office/powerpoint/2010/main" val="3870452643"/>
+                <p14:modId xmlns:p14="http://schemas.microsoft.com/office/powerpoint/2010/main" val="1945317046"/>
               </p:ext>
             </p:extLst>
           </p:nvPr>
@@ -7670,7 +7670,7 @@
           <a:graphicData uri="http://schemas.openxmlformats.org/presentationml/2006/ole">
             <mc:AlternateContent xmlns:mc="http://schemas.openxmlformats.org/markup-compatibility/2006">
               <mc:Choice xmlns:v="urn:schemas-microsoft-com:vml" Requires="v">
-                <p:oleObj spid="_x0000_s8204" name="Macro-Enabled Worksheet" r:id="rId4" imgW="13403403" imgH="4008199" progId="Excel.SheetMacroEnabled.12">
+                <p:oleObj spid="_x0000_s8205" name="Macro-Enabled Worksheet" r:id="rId4" imgW="13403403" imgH="4008199" progId="Excel.SheetMacroEnabled.12">
                   <p:link updateAutomatic="1"/>
                 </p:oleObj>
               </mc:Choice>
@@ -7776,7 +7776,7 @@
           <p:nvPr>
             <p:extLst>
               <p:ext uri="{D42A27DB-BD31-4B8C-83A1-F6EECF244321}">
-                <p14:modId xmlns:p14="http://schemas.microsoft.com/office/powerpoint/2010/main" val="2228925792"/>
+                <p14:modId xmlns:p14="http://schemas.microsoft.com/office/powerpoint/2010/main" val="3340700210"/>
               </p:ext>
             </p:extLst>
           </p:nvPr>
@@ -7789,7 +7789,7 @@
           <a:graphicData uri="http://schemas.openxmlformats.org/presentationml/2006/ole">
             <mc:AlternateContent xmlns:mc="http://schemas.openxmlformats.org/markup-compatibility/2006">
               <mc:Choice xmlns:v="urn:schemas-microsoft-com:vml" Requires="v">
-                <p:oleObj spid="_x0000_s9228" name="Macro-Enabled Worksheet" r:id="rId3" imgW="11186302" imgH="3474767" progId="Excel.SheetMacroEnabled.12">
+                <p:oleObj spid="_x0000_s9229" name="Macro-Enabled Worksheet" r:id="rId3" imgW="11186302" imgH="3474767" progId="Excel.SheetMacroEnabled.12">
                   <p:link updateAutomatic="1"/>
                 </p:oleObj>
               </mc:Choice>
@@ -7934,7 +7934,7 @@
           <p:nvPr>
             <p:extLst>
               <p:ext uri="{D42A27DB-BD31-4B8C-83A1-F6EECF244321}">
-                <p14:modId xmlns:p14="http://schemas.microsoft.com/office/powerpoint/2010/main" val="3407420404"/>
+                <p14:modId xmlns:p14="http://schemas.microsoft.com/office/powerpoint/2010/main" val="3236702671"/>
               </p:ext>
             </p:extLst>
           </p:nvPr>
@@ -7947,7 +7947,7 @@
           <a:graphicData uri="http://schemas.openxmlformats.org/presentationml/2006/ole">
             <mc:AlternateContent xmlns:mc="http://schemas.openxmlformats.org/markup-compatibility/2006">
               <mc:Choice xmlns:v="urn:schemas-microsoft-com:vml" Requires="v">
-                <p:oleObj spid="_x0000_s10252" name="Macro-Enabled Worksheet" r:id="rId3" imgW="11186302" imgH="3474767" progId="Excel.SheetMacroEnabled.12">
+                <p:oleObj spid="_x0000_s10253" name="Macro-Enabled Worksheet" r:id="rId3" imgW="11186302" imgH="3474767" progId="Excel.SheetMacroEnabled.12">
                   <p:link updateAutomatic="1"/>
                 </p:oleObj>
               </mc:Choice>
@@ -8395,7 +8395,7 @@
 </file>
 
 <file path=ppt/slides/slide2.xml><?xml version="1.0" encoding="utf-8"?>
-<p:sld xmlns:a="http://schemas.openxmlformats.org/drawingml/2006/main" xmlns:r="http://schemas.openxmlformats.org/officeDocument/2006/relationships" xmlns:p="http://schemas.openxmlformats.org/presentationml/2006/main">
+<p:sld xmlns:a="http://schemas.openxmlformats.org/drawingml/2006/main" xmlns:r="http://schemas.openxmlformats.org/officeDocument/2006/relationships" xmlns:p="http://schemas.openxmlformats.org/presentationml/2006/main" show="0">
   <p:cSld>
     <p:spTree>
       <p:nvGrpSpPr>
@@ -21165,7 +21165,7 @@
           <p:nvPr>
             <p:extLst>
               <p:ext uri="{D42A27DB-BD31-4B8C-83A1-F6EECF244321}">
-                <p14:modId xmlns:p14="http://schemas.microsoft.com/office/powerpoint/2010/main" val="2798399142"/>
+                <p14:modId xmlns:p14="http://schemas.microsoft.com/office/powerpoint/2010/main" val="656808825"/>
               </p:ext>
             </p:extLst>
           </p:nvPr>
@@ -21178,7 +21178,7 @@
           <a:graphicData uri="http://schemas.openxmlformats.org/presentationml/2006/ole">
             <mc:AlternateContent xmlns:mc="http://schemas.openxmlformats.org/markup-compatibility/2006">
               <mc:Choice xmlns:v="urn:schemas-microsoft-com:vml" Requires="v">
-                <p:oleObj spid="_x0000_s11276" name="Macro-Enabled Worksheet" r:id="rId5" imgW="3330117" imgH="182927" progId="Excel.SheetMacroEnabled.12">
+                <p:oleObj spid="_x0000_s11277" name="Macro-Enabled Worksheet" r:id="rId5" imgW="3330117" imgH="182927" progId="Excel.SheetMacroEnabled.12">
                   <p:link updateAutomatic="1"/>
                 </p:oleObj>
               </mc:Choice>
@@ -21351,7 +21351,7 @@
           <p:nvPr>
             <p:extLst>
               <p:ext uri="{D42A27DB-BD31-4B8C-83A1-F6EECF244321}">
-                <p14:modId xmlns:p14="http://schemas.microsoft.com/office/powerpoint/2010/main" val="1490882883"/>
+                <p14:modId xmlns:p14="http://schemas.microsoft.com/office/powerpoint/2010/main" val="4078857693"/>
               </p:ext>
             </p:extLst>
           </p:nvPr>
@@ -21364,7 +21364,7 @@
           <a:graphicData uri="http://schemas.openxmlformats.org/presentationml/2006/ole">
             <mc:AlternateContent xmlns:mc="http://schemas.openxmlformats.org/markup-compatibility/2006">
               <mc:Choice xmlns:v="urn:schemas-microsoft-com:vml" Requires="v">
-                <p:oleObj spid="_x0000_s12300" name="Macro-Enabled Worksheet" r:id="rId5" imgW="3330117" imgH="182927" progId="Excel.SheetMacroEnabled.12">
+                <p:oleObj spid="_x0000_s12301" name="Macro-Enabled Worksheet" r:id="rId5" imgW="3330117" imgH="182927" progId="Excel.SheetMacroEnabled.12">
                   <p:link updateAutomatic="1"/>
                 </p:oleObj>
               </mc:Choice>
@@ -21887,7 +21887,7 @@
           <p:nvPr>
             <p:extLst>
               <p:ext uri="{D42A27DB-BD31-4B8C-83A1-F6EECF244321}">
-                <p14:modId xmlns:p14="http://schemas.microsoft.com/office/powerpoint/2010/main" val="1453758601"/>
+                <p14:modId xmlns:p14="http://schemas.microsoft.com/office/powerpoint/2010/main" val="2417331873"/>
               </p:ext>
             </p:extLst>
           </p:nvPr>
@@ -21900,7 +21900,7 @@
           <a:graphicData uri="http://schemas.openxmlformats.org/presentationml/2006/ole">
             <mc:AlternateContent xmlns:mc="http://schemas.openxmlformats.org/markup-compatibility/2006">
               <mc:Choice xmlns:v="urn:schemas-microsoft-com:vml" Requires="v">
-                <p:oleObj spid="_x0000_s13324" name="Macro-Enabled Worksheet" r:id="rId4" imgW="12626375" imgH="4396653" progId="Excel.SheetMacroEnabled.12">
+                <p:oleObj spid="_x0000_s13325" name="Macro-Enabled Worksheet" r:id="rId4" imgW="12626375" imgH="4396653" progId="Excel.SheetMacroEnabled.12">
                   <p:link updateAutomatic="1"/>
                 </p:oleObj>
               </mc:Choice>
@@ -22089,7 +22089,7 @@
           <p:nvPr>
             <p:extLst>
               <p:ext uri="{D42A27DB-BD31-4B8C-83A1-F6EECF244321}">
-                <p14:modId xmlns:p14="http://schemas.microsoft.com/office/powerpoint/2010/main" val="1139129787"/>
+                <p14:modId xmlns:p14="http://schemas.microsoft.com/office/powerpoint/2010/main" val="1127768282"/>
               </p:ext>
             </p:extLst>
           </p:nvPr>
@@ -22102,7 +22102,7 @@
           <a:graphicData uri="http://schemas.openxmlformats.org/presentationml/2006/ole">
             <mc:AlternateContent xmlns:mc="http://schemas.openxmlformats.org/markup-compatibility/2006">
               <mc:Choice xmlns:v="urn:schemas-microsoft-com:vml" Requires="v">
-                <p:oleObj spid="_x0000_s14348" name="Macro-Enabled Worksheet" r:id="rId3" imgW="8580049" imgH="1988749" progId="Excel.SheetMacroEnabled.12">
+                <p:oleObj spid="_x0000_s14349" name="Macro-Enabled Worksheet" r:id="rId3" imgW="8580049" imgH="1988749" progId="Excel.SheetMacroEnabled.12">
                   <p:link updateAutomatic="1"/>
                 </p:oleObj>
               </mc:Choice>
@@ -22210,7 +22210,7 @@
           <p:nvPr>
             <p:extLst>
               <p:ext uri="{D42A27DB-BD31-4B8C-83A1-F6EECF244321}">
-                <p14:modId xmlns:p14="http://schemas.microsoft.com/office/powerpoint/2010/main" val="161457185"/>
+                <p14:modId xmlns:p14="http://schemas.microsoft.com/office/powerpoint/2010/main" val="1892681324"/>
               </p:ext>
             </p:extLst>
           </p:nvPr>
@@ -22223,7 +22223,7 @@
           <a:graphicData uri="http://schemas.openxmlformats.org/presentationml/2006/ole">
             <mc:AlternateContent xmlns:mc="http://schemas.openxmlformats.org/markup-compatibility/2006">
               <mc:Choice xmlns:v="urn:schemas-microsoft-com:vml" Requires="v">
-                <p:oleObj spid="_x0000_s15372" name="Macro-Enabled Worksheet" r:id="rId3" imgW="8580049" imgH="2979286" progId="Excel.SheetMacroEnabled.12">
+                <p:oleObj spid="_x0000_s15373" name="Macro-Enabled Worksheet" r:id="rId3" imgW="8580049" imgH="2979286" progId="Excel.SheetMacroEnabled.12">
                   <p:link updateAutomatic="1"/>
                 </p:oleObj>
               </mc:Choice>
@@ -22985,7 +22985,7 @@
           <p:nvPr>
             <p:extLst>
               <p:ext uri="{D42A27DB-BD31-4B8C-83A1-F6EECF244321}">
-                <p14:modId xmlns:p14="http://schemas.microsoft.com/office/powerpoint/2010/main" val="2036662361"/>
+                <p14:modId xmlns:p14="http://schemas.microsoft.com/office/powerpoint/2010/main" val="2548926546"/>
               </p:ext>
             </p:extLst>
           </p:nvPr>
@@ -22998,7 +22998,7 @@
           <a:graphicData uri="http://schemas.openxmlformats.org/presentationml/2006/ole">
             <mc:AlternateContent xmlns:mc="http://schemas.openxmlformats.org/markup-compatibility/2006">
               <mc:Choice xmlns:v="urn:schemas-microsoft-com:vml" Requires="v">
-                <p:oleObj spid="_x0000_s16396" name="Macro-Enabled Worksheet" r:id="rId3" imgW="9060215" imgH="1821172" progId="Excel.SheetMacroEnabled.12">
+                <p:oleObj spid="_x0000_s16397" name="Macro-Enabled Worksheet" r:id="rId3" imgW="9060215" imgH="1821172" progId="Excel.SheetMacroEnabled.12">
                   <p:link updateAutomatic="1"/>
                 </p:oleObj>
               </mc:Choice>
@@ -23261,14 +23261,14 @@
           </a:ln>
           <a:extLst>
             <a:ext uri="{909E8E84-426E-40dd-AFC4-6F175D3DCCD1}">
-              <a14:hiddenFill xmlns:a14="http://schemas.microsoft.com/office/drawing/2010/main" xmlns="">
+              <a14:hiddenFill xmlns="" xmlns:a14="http://schemas.microsoft.com/office/drawing/2010/main">
                 <a:solidFill>
                   <a:srgbClr val="FFFFFF"/>
                 </a:solidFill>
               </a14:hiddenFill>
             </a:ext>
             <a:ext uri="{91240B29-F687-4f45-9708-019B960494DF}">
-              <a14:hiddenLine xmlns:a14="http://schemas.microsoft.com/office/drawing/2010/main" xmlns="" w="9525">
+              <a14:hiddenLine xmlns="" xmlns:a14="http://schemas.microsoft.com/office/drawing/2010/main" w="9525">
                 <a:solidFill>
                   <a:srgbClr val="000000"/>
                 </a:solidFill>
@@ -23419,14 +23419,14 @@
           </a:ln>
           <a:extLst>
             <a:ext uri="{909E8E84-426E-40dd-AFC4-6F175D3DCCD1}">
-              <a14:hiddenFill xmlns:a14="http://schemas.microsoft.com/office/drawing/2010/main" xmlns="">
+              <a14:hiddenFill xmlns="" xmlns:a14="http://schemas.microsoft.com/office/drawing/2010/main">
                 <a:solidFill>
                   <a:srgbClr val="FFFFFF"/>
                 </a:solidFill>
               </a14:hiddenFill>
             </a:ext>
             <a:ext uri="{91240B29-F687-4f45-9708-019B960494DF}">
-              <a14:hiddenLine xmlns:a14="http://schemas.microsoft.com/office/drawing/2010/main" xmlns="" w="9525">
+              <a14:hiddenLine xmlns="" xmlns:a14="http://schemas.microsoft.com/office/drawing/2010/main" w="9525">
                 <a:solidFill>
                   <a:srgbClr val="000000"/>
                 </a:solidFill>
@@ -23712,7 +23712,7 @@
           <p:nvPr>
             <p:extLst>
               <p:ext uri="{D42A27DB-BD31-4B8C-83A1-F6EECF244321}">
-                <p14:modId xmlns:p14="http://schemas.microsoft.com/office/powerpoint/2010/main" val="2056614867"/>
+                <p14:modId xmlns:p14="http://schemas.microsoft.com/office/powerpoint/2010/main" val="1659965602"/>
               </p:ext>
             </p:extLst>
           </p:nvPr>
@@ -23725,7 +23725,7 @@
           <a:graphicData uri="http://schemas.openxmlformats.org/presentationml/2006/ole">
             <mc:AlternateContent xmlns:mc="http://schemas.openxmlformats.org/markup-compatibility/2006">
               <mc:Choice xmlns:v="urn:schemas-microsoft-com:vml" Requires="v">
-                <p:oleObj spid="_x0000_s17420" name="Macro-Enabled Worksheet" r:id="rId5" imgW="2933735" imgH="693333" progId="Excel.SheetMacroEnabled.12">
+                <p:oleObj spid="_x0000_s17421" name="Macro-Enabled Worksheet" r:id="rId5" imgW="2933735" imgH="693333" progId="Excel.SheetMacroEnabled.12">
                   <p:link updateAutomatic="1"/>
                 </p:oleObj>
               </mc:Choice>
@@ -24078,7 +24078,7 @@
           <p:nvPr>
             <p:extLst>
               <p:ext uri="{D42A27DB-BD31-4B8C-83A1-F6EECF244321}">
-                <p14:modId xmlns:p14="http://schemas.microsoft.com/office/powerpoint/2010/main" val="154849387"/>
+                <p14:modId xmlns:p14="http://schemas.microsoft.com/office/powerpoint/2010/main" val="50286899"/>
               </p:ext>
             </p:extLst>
           </p:nvPr>
@@ -24091,7 +24091,7 @@
           <a:graphicData uri="http://schemas.openxmlformats.org/presentationml/2006/ole">
             <mc:AlternateContent xmlns:mc="http://schemas.openxmlformats.org/markup-compatibility/2006">
               <mc:Choice xmlns:v="urn:schemas-microsoft-com:vml" Requires="v">
-                <p:oleObj spid="_x0000_s2060" name="Macro-Enabled Worksheet" r:id="rId4" imgW="8244911" imgH="1432718" progId="Excel.SheetMacroEnabled.12">
+                <p:oleObj spid="_x0000_s2061" name="Macro-Enabled Worksheet" r:id="rId4" imgW="8244911" imgH="1432718" progId="Excel.SheetMacroEnabled.12">
                   <p:link updateAutomatic="1"/>
                 </p:oleObj>
               </mc:Choice>
@@ -24196,7 +24196,7 @@
           <p:nvPr>
             <p:extLst>
               <p:ext uri="{D42A27DB-BD31-4B8C-83A1-F6EECF244321}">
-                <p14:modId xmlns:p14="http://schemas.microsoft.com/office/powerpoint/2010/main" val="4008530090"/>
+                <p14:modId xmlns:p14="http://schemas.microsoft.com/office/powerpoint/2010/main" val="254998027"/>
               </p:ext>
             </p:extLst>
           </p:nvPr>
@@ -24209,7 +24209,7 @@
           <a:graphicData uri="http://schemas.openxmlformats.org/presentationml/2006/ole">
             <mc:AlternateContent xmlns:mc="http://schemas.openxmlformats.org/markup-compatibility/2006">
               <mc:Choice xmlns:v="urn:schemas-microsoft-com:vml" Requires="v">
-                <p:oleObj spid="_x0000_s3084" name="Macro-Enabled Worksheet" r:id="rId4" imgW="8244911" imgH="1584944" progId="Excel.SheetMacroEnabled.12">
+                <p:oleObj spid="_x0000_s3085" name="Macro-Enabled Worksheet" r:id="rId4" imgW="8244911" imgH="1584944" progId="Excel.SheetMacroEnabled.12">
                   <p:link updateAutomatic="1"/>
                 </p:oleObj>
               </mc:Choice>
@@ -24314,7 +24314,7 @@
           <p:nvPr>
             <p:extLst>
               <p:ext uri="{D42A27DB-BD31-4B8C-83A1-F6EECF244321}">
-                <p14:modId xmlns:p14="http://schemas.microsoft.com/office/powerpoint/2010/main" val="242403864"/>
+                <p14:modId xmlns:p14="http://schemas.microsoft.com/office/powerpoint/2010/main" val="2159895942"/>
               </p:ext>
             </p:extLst>
           </p:nvPr>
@@ -24327,7 +24327,7 @@
           <a:graphicData uri="http://schemas.openxmlformats.org/presentationml/2006/ole">
             <mc:AlternateContent xmlns:mc="http://schemas.openxmlformats.org/markup-compatibility/2006">
               <mc:Choice xmlns:v="urn:schemas-microsoft-com:vml" Requires="v">
-                <p:oleObj spid="_x0000_s4108" name="Macro-Enabled Worksheet" r:id="rId4" imgW="7437262" imgH="1394342" progId="Excel.SheetMacroEnabled.12">
+                <p:oleObj spid="_x0000_s4109" name="Macro-Enabled Worksheet" r:id="rId4" imgW="7437262" imgH="1394342" progId="Excel.SheetMacroEnabled.12">
                   <p:link updateAutomatic="1"/>
                 </p:oleObj>
               </mc:Choice>
@@ -25261,21 +25261,12 @@
 </file>
 
 <file path=customXml/item1.xml><?xml version="1.0" encoding="utf-8"?>
-<?mso-contentType ?>
-<FormTemplates xmlns="http://schemas.microsoft.com/sharepoint/v3/contenttype/forms">
-  <Display>DocumentLibraryForm</Display>
-  <Edit>DocumentLibraryForm</Edit>
-  <New>DocumentLibraryForm</New>
-</FormTemplates>
-</file>
-
-<file path=customXml/item2.xml><?xml version="1.0" encoding="utf-8"?>
 <p:properties xmlns:p="http://schemas.microsoft.com/office/2006/metadata/properties" xmlns:xsi="http://www.w3.org/2001/XMLSchema-instance" xmlns:pc="http://schemas.microsoft.com/office/infopath/2007/PartnerControls">
   <documentManagement/>
 </p:properties>
 </file>
 
-<file path=customXml/item3.xml><?xml version="1.0" encoding="utf-8"?>
+<file path=customXml/item2.xml><?xml version="1.0" encoding="utf-8"?>
 <ct:contentTypeSchema xmlns:ct="http://schemas.microsoft.com/office/2006/metadata/contentType" xmlns:ma="http://schemas.microsoft.com/office/2006/metadata/properties/metaAttributes" ct:_="" ma:_="" ma:contentTypeName="Document" ma:contentTypeID="0x0101001F513751AC33344AB32CFD2920EFE649" ma:contentTypeVersion="11" ma:contentTypeDescription="Create a new document." ma:contentTypeScope="" ma:versionID="683516f7d70434a0e4dbd6c476be8d5b">
   <xsd:schema xmlns:xsd="http://www.w3.org/2001/XMLSchema" xmlns:xs="http://www.w3.org/2001/XMLSchema" xmlns:p="http://schemas.microsoft.com/office/2006/metadata/properties" xmlns:ns2="72e3a154-4955-46c3-9573-e9dec3e1f195" xmlns:ns3="ec500478-62e0-46fc-87f1-cfa988e486b4" targetNamespace="http://schemas.microsoft.com/office/2006/metadata/properties" ma:root="true" ma:fieldsID="cf4a15c6a1eec5dbba94230cc6a50510" ns2:_="" ns3:_="">
     <xsd:import namespace="72e3a154-4955-46c3-9573-e9dec3e1f195"/>
@@ -25486,15 +25477,16 @@
 </ct:contentTypeSchema>
 </file>
 
-<file path=customXml/itemProps1.xml><?xml version="1.0" encoding="utf-8"?>
-<ds:datastoreItem xmlns:ds="http://schemas.openxmlformats.org/officeDocument/2006/customXml" ds:itemID="{B8B49826-D5EE-4D24-B649-7C3A19B527D2}">
-  <ds:schemaRefs>
-    <ds:schemaRef ds:uri="http://schemas.microsoft.com/sharepoint/v3/contenttype/forms"/>
-  </ds:schemaRefs>
-</ds:datastoreItem>
+<file path=customXml/item3.xml><?xml version="1.0" encoding="utf-8"?>
+<?mso-contentType ?>
+<FormTemplates xmlns="http://schemas.microsoft.com/sharepoint/v3/contenttype/forms">
+  <Display>DocumentLibraryForm</Display>
+  <Edit>DocumentLibraryForm</Edit>
+  <New>DocumentLibraryForm</New>
+</FormTemplates>
 </file>
 
-<file path=customXml/itemProps2.xml><?xml version="1.0" encoding="utf-8"?>
+<file path=customXml/itemProps1.xml><?xml version="1.0" encoding="utf-8"?>
 <ds:datastoreItem xmlns:ds="http://schemas.openxmlformats.org/officeDocument/2006/customXml" ds:itemID="{5F07B0D7-F930-4230-933E-ABA84959494E}">
   <ds:schemaRefs>
     <ds:schemaRef ds:uri="http://purl.org/dc/dcmitype/"/>
@@ -25511,7 +25503,7 @@
 </ds:datastoreItem>
 </file>
 
-<file path=customXml/itemProps3.xml><?xml version="1.0" encoding="utf-8"?>
+<file path=customXml/itemProps2.xml><?xml version="1.0" encoding="utf-8"?>
 <ds:datastoreItem xmlns:ds="http://schemas.openxmlformats.org/officeDocument/2006/customXml" ds:itemID="{CBD4B3B2-3D3C-4F85-B2D6-F89B005D67E0}">
   <ds:schemaRefs>
     <ds:schemaRef ds:uri="http://schemas.microsoft.com/office/2006/metadata/contentType"/>
@@ -25528,4 +25520,12 @@
     <ds:schemaRef ds:uri="http://schemas.microsoft.com/internal/obd"/>
   </ds:schemaRefs>
 </ds:datastoreItem>
+</file>
+
+<file path=customXml/itemProps3.xml><?xml version="1.0" encoding="utf-8"?>
+<ds:datastoreItem xmlns:ds="http://schemas.openxmlformats.org/officeDocument/2006/customXml" ds:itemID="{B8B49826-D5EE-4D24-B649-7C3A19B527D2}">
+  <ds:schemaRefs>
+    <ds:schemaRef ds:uri="http://schemas.microsoft.com/sharepoint/v3/contenttype/forms"/>
+  </ds:schemaRefs>
+</ds:datastoreItem>
 </file>